--- a/app/src/powerpoint para cartas/Presentación1.pptx
+++ b/app/src/powerpoint para cartas/Presentación1.pptx
@@ -104,6 +104,22 @@
       </a:defRPr>
     </a:lvl9pPr>
   </p:defaultTextStyle>
+  <p:extLst>
+    <p:ext uri="{EFAFB233-063F-42B5-8137-9DF3F51BA10A}">
+      <p15:sldGuideLst xmlns:p15="http://schemas.microsoft.com/office/powerpoint/2012/main">
+        <p15:guide id="1" orient="horz" pos="2160">
+          <p15:clr>
+            <a:srgbClr val="A4A3A4"/>
+          </p15:clr>
+        </p15:guide>
+        <p15:guide id="2" pos="2880">
+          <p15:clr>
+            <a:srgbClr val="A4A3A4"/>
+          </p15:clr>
+        </p15:guide>
+      </p15:sldGuideLst>
+    </p:ext>
+  </p:extLst>
 </p:presentation>
 </file>
 
@@ -145,10 +161,9 @@
           <a:lstStyle/>
           <a:p>
             <a:r>
-              <a:rPr lang="es-ES" smtClean="0"/>
+              <a:rPr lang="es-ES"/>
               <a:t>Haga clic para modificar el estilo de título del patrón</a:t>
             </a:r>
-            <a:endParaRPr lang="es-ES"/>
           </a:p>
         </p:txBody>
       </p:sp>
@@ -264,10 +279,9 @@
           </a:lstStyle>
           <a:p>
             <a:r>
-              <a:rPr lang="es-ES" smtClean="0"/>
+              <a:rPr lang="es-ES"/>
               <a:t>Haga clic para modificar el estilo de subtítulo del patrón</a:t>
             </a:r>
-            <a:endParaRPr lang="es-ES"/>
           </a:p>
         </p:txBody>
       </p:sp>
@@ -288,7 +302,7 @@
           <a:p>
             <a:fld id="{ED5068BE-CC48-4432-805D-8C4C4168F1D3}" type="datetimeFigureOut">
               <a:rPr lang="es-ES" smtClean="0"/>
-              <a:t>26/04/2020</a:t>
+              <a:t>08/05/2020</a:t>
             </a:fld>
             <a:endParaRPr lang="es-ES"/>
           </a:p>
@@ -377,10 +391,9 @@
           <a:lstStyle/>
           <a:p>
             <a:r>
-              <a:rPr lang="es-ES" smtClean="0"/>
+              <a:rPr lang="es-ES"/>
               <a:t>Haga clic para modificar el estilo de título del patrón</a:t>
             </a:r>
-            <a:endParaRPr lang="es-ES"/>
           </a:p>
         </p:txBody>
       </p:sp>
@@ -401,38 +414,37 @@
           <a:p>
             <a:pPr lvl="0"/>
             <a:r>
-              <a:rPr lang="es-ES" smtClean="0"/>
+              <a:rPr lang="es-ES"/>
               <a:t>Haga clic para modificar el estilo de texto del patrón</a:t>
             </a:r>
           </a:p>
           <a:p>
             <a:pPr lvl="1"/>
             <a:r>
-              <a:rPr lang="es-ES" smtClean="0"/>
+              <a:rPr lang="es-ES"/>
               <a:t>Segundo nivel</a:t>
             </a:r>
           </a:p>
           <a:p>
             <a:pPr lvl="2"/>
             <a:r>
-              <a:rPr lang="es-ES" smtClean="0"/>
+              <a:rPr lang="es-ES"/>
               <a:t>Tercer nivel</a:t>
             </a:r>
           </a:p>
           <a:p>
             <a:pPr lvl="3"/>
             <a:r>
-              <a:rPr lang="es-ES" smtClean="0"/>
+              <a:rPr lang="es-ES"/>
               <a:t>Cuarto nivel</a:t>
             </a:r>
           </a:p>
           <a:p>
             <a:pPr lvl="4"/>
             <a:r>
-              <a:rPr lang="es-ES" smtClean="0"/>
+              <a:rPr lang="es-ES"/>
               <a:t>Quinto nivel</a:t>
             </a:r>
-            <a:endParaRPr lang="es-ES"/>
           </a:p>
         </p:txBody>
       </p:sp>
@@ -453,7 +465,7 @@
           <a:p>
             <a:fld id="{ED5068BE-CC48-4432-805D-8C4C4168F1D3}" type="datetimeFigureOut">
               <a:rPr lang="es-ES" smtClean="0"/>
-              <a:t>26/04/2020</a:t>
+              <a:t>08/05/2020</a:t>
             </a:fld>
             <a:endParaRPr lang="es-ES"/>
           </a:p>
@@ -547,10 +559,9 @@
           <a:lstStyle/>
           <a:p>
             <a:r>
-              <a:rPr lang="es-ES" smtClean="0"/>
+              <a:rPr lang="es-ES"/>
               <a:t>Haga clic para modificar el estilo de título del patrón</a:t>
             </a:r>
-            <a:endParaRPr lang="es-ES"/>
           </a:p>
         </p:txBody>
       </p:sp>
@@ -576,38 +587,37 @@
           <a:p>
             <a:pPr lvl="0"/>
             <a:r>
-              <a:rPr lang="es-ES" smtClean="0"/>
+              <a:rPr lang="es-ES"/>
               <a:t>Haga clic para modificar el estilo de texto del patrón</a:t>
             </a:r>
           </a:p>
           <a:p>
             <a:pPr lvl="1"/>
             <a:r>
-              <a:rPr lang="es-ES" smtClean="0"/>
+              <a:rPr lang="es-ES"/>
               <a:t>Segundo nivel</a:t>
             </a:r>
           </a:p>
           <a:p>
             <a:pPr lvl="2"/>
             <a:r>
-              <a:rPr lang="es-ES" smtClean="0"/>
+              <a:rPr lang="es-ES"/>
               <a:t>Tercer nivel</a:t>
             </a:r>
           </a:p>
           <a:p>
             <a:pPr lvl="3"/>
             <a:r>
-              <a:rPr lang="es-ES" smtClean="0"/>
+              <a:rPr lang="es-ES"/>
               <a:t>Cuarto nivel</a:t>
             </a:r>
           </a:p>
           <a:p>
             <a:pPr lvl="4"/>
             <a:r>
-              <a:rPr lang="es-ES" smtClean="0"/>
+              <a:rPr lang="es-ES"/>
               <a:t>Quinto nivel</a:t>
             </a:r>
-            <a:endParaRPr lang="es-ES"/>
           </a:p>
         </p:txBody>
       </p:sp>
@@ -628,7 +638,7 @@
           <a:p>
             <a:fld id="{ED5068BE-CC48-4432-805D-8C4C4168F1D3}" type="datetimeFigureOut">
               <a:rPr lang="es-ES" smtClean="0"/>
-              <a:t>26/04/2020</a:t>
+              <a:t>08/05/2020</a:t>
             </a:fld>
             <a:endParaRPr lang="es-ES"/>
           </a:p>
@@ -717,10 +727,9 @@
           <a:lstStyle/>
           <a:p>
             <a:r>
-              <a:rPr lang="es-ES" smtClean="0"/>
+              <a:rPr lang="es-ES"/>
               <a:t>Haga clic para modificar el estilo de título del patrón</a:t>
             </a:r>
-            <a:endParaRPr lang="es-ES"/>
           </a:p>
         </p:txBody>
       </p:sp>
@@ -741,38 +750,37 @@
           <a:p>
             <a:pPr lvl="0"/>
             <a:r>
-              <a:rPr lang="es-ES" smtClean="0"/>
+              <a:rPr lang="es-ES"/>
               <a:t>Haga clic para modificar el estilo de texto del patrón</a:t>
             </a:r>
           </a:p>
           <a:p>
             <a:pPr lvl="1"/>
             <a:r>
-              <a:rPr lang="es-ES" smtClean="0"/>
+              <a:rPr lang="es-ES"/>
               <a:t>Segundo nivel</a:t>
             </a:r>
           </a:p>
           <a:p>
             <a:pPr lvl="2"/>
             <a:r>
-              <a:rPr lang="es-ES" smtClean="0"/>
+              <a:rPr lang="es-ES"/>
               <a:t>Tercer nivel</a:t>
             </a:r>
           </a:p>
           <a:p>
             <a:pPr lvl="3"/>
             <a:r>
-              <a:rPr lang="es-ES" smtClean="0"/>
+              <a:rPr lang="es-ES"/>
               <a:t>Cuarto nivel</a:t>
             </a:r>
           </a:p>
           <a:p>
             <a:pPr lvl="4"/>
             <a:r>
-              <a:rPr lang="es-ES" smtClean="0"/>
+              <a:rPr lang="es-ES"/>
               <a:t>Quinto nivel</a:t>
             </a:r>
-            <a:endParaRPr lang="es-ES"/>
           </a:p>
         </p:txBody>
       </p:sp>
@@ -793,7 +801,7 @@
           <a:p>
             <a:fld id="{ED5068BE-CC48-4432-805D-8C4C4168F1D3}" type="datetimeFigureOut">
               <a:rPr lang="es-ES" smtClean="0"/>
-              <a:t>26/04/2020</a:t>
+              <a:t>08/05/2020</a:t>
             </a:fld>
             <a:endParaRPr lang="es-ES"/>
           </a:p>
@@ -891,10 +899,9 @@
           </a:lstStyle>
           <a:p>
             <a:r>
-              <a:rPr lang="es-ES" smtClean="0"/>
+              <a:rPr lang="es-ES"/>
               <a:t>Haga clic para modificar el estilo de título del patrón</a:t>
             </a:r>
-            <a:endParaRPr lang="es-ES"/>
           </a:p>
         </p:txBody>
       </p:sp>
@@ -1011,7 +1018,7 @@
           <a:p>
             <a:pPr lvl="0"/>
             <a:r>
-              <a:rPr lang="es-ES" smtClean="0"/>
+              <a:rPr lang="es-ES"/>
               <a:t>Haga clic para modificar el estilo de texto del patrón</a:t>
             </a:r>
           </a:p>
@@ -1034,7 +1041,7 @@
           <a:p>
             <a:fld id="{ED5068BE-CC48-4432-805D-8C4C4168F1D3}" type="datetimeFigureOut">
               <a:rPr lang="es-ES" smtClean="0"/>
-              <a:t>26/04/2020</a:t>
+              <a:t>08/05/2020</a:t>
             </a:fld>
             <a:endParaRPr lang="es-ES"/>
           </a:p>
@@ -1123,10 +1130,9 @@
           <a:lstStyle/>
           <a:p>
             <a:r>
-              <a:rPr lang="es-ES" smtClean="0"/>
+              <a:rPr lang="es-ES"/>
               <a:t>Haga clic para modificar el estilo de título del patrón</a:t>
             </a:r>
-            <a:endParaRPr lang="es-ES"/>
           </a:p>
         </p:txBody>
       </p:sp>
@@ -1180,38 +1186,37 @@
           <a:p>
             <a:pPr lvl="0"/>
             <a:r>
-              <a:rPr lang="es-ES" smtClean="0"/>
+              <a:rPr lang="es-ES"/>
               <a:t>Haga clic para modificar el estilo de texto del patrón</a:t>
             </a:r>
           </a:p>
           <a:p>
             <a:pPr lvl="1"/>
             <a:r>
-              <a:rPr lang="es-ES" smtClean="0"/>
+              <a:rPr lang="es-ES"/>
               <a:t>Segundo nivel</a:t>
             </a:r>
           </a:p>
           <a:p>
             <a:pPr lvl="2"/>
             <a:r>
-              <a:rPr lang="es-ES" smtClean="0"/>
+              <a:rPr lang="es-ES"/>
               <a:t>Tercer nivel</a:t>
             </a:r>
           </a:p>
           <a:p>
             <a:pPr lvl="3"/>
             <a:r>
-              <a:rPr lang="es-ES" smtClean="0"/>
+              <a:rPr lang="es-ES"/>
               <a:t>Cuarto nivel</a:t>
             </a:r>
           </a:p>
           <a:p>
             <a:pPr lvl="4"/>
             <a:r>
-              <a:rPr lang="es-ES" smtClean="0"/>
+              <a:rPr lang="es-ES"/>
               <a:t>Quinto nivel</a:t>
             </a:r>
-            <a:endParaRPr lang="es-ES"/>
           </a:p>
         </p:txBody>
       </p:sp>
@@ -1265,38 +1270,37 @@
           <a:p>
             <a:pPr lvl="0"/>
             <a:r>
-              <a:rPr lang="es-ES" smtClean="0"/>
+              <a:rPr lang="es-ES"/>
               <a:t>Haga clic para modificar el estilo de texto del patrón</a:t>
             </a:r>
           </a:p>
           <a:p>
             <a:pPr lvl="1"/>
             <a:r>
-              <a:rPr lang="es-ES" smtClean="0"/>
+              <a:rPr lang="es-ES"/>
               <a:t>Segundo nivel</a:t>
             </a:r>
           </a:p>
           <a:p>
             <a:pPr lvl="2"/>
             <a:r>
-              <a:rPr lang="es-ES" smtClean="0"/>
+              <a:rPr lang="es-ES"/>
               <a:t>Tercer nivel</a:t>
             </a:r>
           </a:p>
           <a:p>
             <a:pPr lvl="3"/>
             <a:r>
-              <a:rPr lang="es-ES" smtClean="0"/>
+              <a:rPr lang="es-ES"/>
               <a:t>Cuarto nivel</a:t>
             </a:r>
           </a:p>
           <a:p>
             <a:pPr lvl="4"/>
             <a:r>
-              <a:rPr lang="es-ES" smtClean="0"/>
+              <a:rPr lang="es-ES"/>
               <a:t>Quinto nivel</a:t>
             </a:r>
-            <a:endParaRPr lang="es-ES"/>
           </a:p>
         </p:txBody>
       </p:sp>
@@ -1317,7 +1321,7 @@
           <a:p>
             <a:fld id="{ED5068BE-CC48-4432-805D-8C4C4168F1D3}" type="datetimeFigureOut">
               <a:rPr lang="es-ES" smtClean="0"/>
-              <a:t>26/04/2020</a:t>
+              <a:t>08/05/2020</a:t>
             </a:fld>
             <a:endParaRPr lang="es-ES"/>
           </a:p>
@@ -1410,10 +1414,9 @@
           </a:lstStyle>
           <a:p>
             <a:r>
-              <a:rPr lang="es-ES" smtClean="0"/>
+              <a:rPr lang="es-ES"/>
               <a:t>Haga clic para modificar el estilo de título del patrón</a:t>
             </a:r>
-            <a:endParaRPr lang="es-ES"/>
           </a:p>
         </p:txBody>
       </p:sp>
@@ -1476,7 +1479,7 @@
           <a:p>
             <a:pPr lvl="0"/>
             <a:r>
-              <a:rPr lang="es-ES" smtClean="0"/>
+              <a:rPr lang="es-ES"/>
               <a:t>Haga clic para modificar el estilo de texto del patrón</a:t>
             </a:r>
           </a:p>
@@ -1532,38 +1535,37 @@
           <a:p>
             <a:pPr lvl="0"/>
             <a:r>
-              <a:rPr lang="es-ES" smtClean="0"/>
+              <a:rPr lang="es-ES"/>
               <a:t>Haga clic para modificar el estilo de texto del patrón</a:t>
             </a:r>
           </a:p>
           <a:p>
             <a:pPr lvl="1"/>
             <a:r>
-              <a:rPr lang="es-ES" smtClean="0"/>
+              <a:rPr lang="es-ES"/>
               <a:t>Segundo nivel</a:t>
             </a:r>
           </a:p>
           <a:p>
             <a:pPr lvl="2"/>
             <a:r>
-              <a:rPr lang="es-ES" smtClean="0"/>
+              <a:rPr lang="es-ES"/>
               <a:t>Tercer nivel</a:t>
             </a:r>
           </a:p>
           <a:p>
             <a:pPr lvl="3"/>
             <a:r>
-              <a:rPr lang="es-ES" smtClean="0"/>
+              <a:rPr lang="es-ES"/>
               <a:t>Cuarto nivel</a:t>
             </a:r>
           </a:p>
           <a:p>
             <a:pPr lvl="4"/>
             <a:r>
-              <a:rPr lang="es-ES" smtClean="0"/>
+              <a:rPr lang="es-ES"/>
               <a:t>Quinto nivel</a:t>
             </a:r>
-            <a:endParaRPr lang="es-ES"/>
           </a:p>
         </p:txBody>
       </p:sp>
@@ -1626,7 +1628,7 @@
           <a:p>
             <a:pPr lvl="0"/>
             <a:r>
-              <a:rPr lang="es-ES" smtClean="0"/>
+              <a:rPr lang="es-ES"/>
               <a:t>Haga clic para modificar el estilo de texto del patrón</a:t>
             </a:r>
           </a:p>
@@ -1682,38 +1684,37 @@
           <a:p>
             <a:pPr lvl="0"/>
             <a:r>
-              <a:rPr lang="es-ES" smtClean="0"/>
+              <a:rPr lang="es-ES"/>
               <a:t>Haga clic para modificar el estilo de texto del patrón</a:t>
             </a:r>
           </a:p>
           <a:p>
             <a:pPr lvl="1"/>
             <a:r>
-              <a:rPr lang="es-ES" smtClean="0"/>
+              <a:rPr lang="es-ES"/>
               <a:t>Segundo nivel</a:t>
             </a:r>
           </a:p>
           <a:p>
             <a:pPr lvl="2"/>
             <a:r>
-              <a:rPr lang="es-ES" smtClean="0"/>
+              <a:rPr lang="es-ES"/>
               <a:t>Tercer nivel</a:t>
             </a:r>
           </a:p>
           <a:p>
             <a:pPr lvl="3"/>
             <a:r>
-              <a:rPr lang="es-ES" smtClean="0"/>
+              <a:rPr lang="es-ES"/>
               <a:t>Cuarto nivel</a:t>
             </a:r>
           </a:p>
           <a:p>
             <a:pPr lvl="4"/>
             <a:r>
-              <a:rPr lang="es-ES" smtClean="0"/>
+              <a:rPr lang="es-ES"/>
               <a:t>Quinto nivel</a:t>
             </a:r>
-            <a:endParaRPr lang="es-ES"/>
           </a:p>
         </p:txBody>
       </p:sp>
@@ -1734,7 +1735,7 @@
           <a:p>
             <a:fld id="{ED5068BE-CC48-4432-805D-8C4C4168F1D3}" type="datetimeFigureOut">
               <a:rPr lang="es-ES" smtClean="0"/>
-              <a:t>26/04/2020</a:t>
+              <a:t>08/05/2020</a:t>
             </a:fld>
             <a:endParaRPr lang="es-ES"/>
           </a:p>
@@ -1823,10 +1824,9 @@
           <a:lstStyle/>
           <a:p>
             <a:r>
-              <a:rPr lang="es-ES" smtClean="0"/>
+              <a:rPr lang="es-ES"/>
               <a:t>Haga clic para modificar el estilo de título del patrón</a:t>
             </a:r>
-            <a:endParaRPr lang="es-ES"/>
           </a:p>
         </p:txBody>
       </p:sp>
@@ -1847,7 +1847,7 @@
           <a:p>
             <a:fld id="{ED5068BE-CC48-4432-805D-8C4C4168F1D3}" type="datetimeFigureOut">
               <a:rPr lang="es-ES" smtClean="0"/>
-              <a:t>26/04/2020</a:t>
+              <a:t>08/05/2020</a:t>
             </a:fld>
             <a:endParaRPr lang="es-ES"/>
           </a:p>
@@ -1937,7 +1937,7 @@
           <a:p>
             <a:fld id="{ED5068BE-CC48-4432-805D-8C4C4168F1D3}" type="datetimeFigureOut">
               <a:rPr lang="es-ES" smtClean="0"/>
-              <a:t>26/04/2020</a:t>
+              <a:t>08/05/2020</a:t>
             </a:fld>
             <a:endParaRPr lang="es-ES"/>
           </a:p>
@@ -2035,10 +2035,9 @@
           </a:lstStyle>
           <a:p>
             <a:r>
-              <a:rPr lang="es-ES" smtClean="0"/>
+              <a:rPr lang="es-ES"/>
               <a:t>Haga clic para modificar el estilo de título del patrón</a:t>
             </a:r>
-            <a:endParaRPr lang="es-ES"/>
           </a:p>
         </p:txBody>
       </p:sp>
@@ -2092,38 +2091,37 @@
           <a:p>
             <a:pPr lvl="0"/>
             <a:r>
-              <a:rPr lang="es-ES" smtClean="0"/>
+              <a:rPr lang="es-ES"/>
               <a:t>Haga clic para modificar el estilo de texto del patrón</a:t>
             </a:r>
           </a:p>
           <a:p>
             <a:pPr lvl="1"/>
             <a:r>
-              <a:rPr lang="es-ES" smtClean="0"/>
+              <a:rPr lang="es-ES"/>
               <a:t>Segundo nivel</a:t>
             </a:r>
           </a:p>
           <a:p>
             <a:pPr lvl="2"/>
             <a:r>
-              <a:rPr lang="es-ES" smtClean="0"/>
+              <a:rPr lang="es-ES"/>
               <a:t>Tercer nivel</a:t>
             </a:r>
           </a:p>
           <a:p>
             <a:pPr lvl="3"/>
             <a:r>
-              <a:rPr lang="es-ES" smtClean="0"/>
+              <a:rPr lang="es-ES"/>
               <a:t>Cuarto nivel</a:t>
             </a:r>
           </a:p>
           <a:p>
             <a:pPr lvl="4"/>
             <a:r>
-              <a:rPr lang="es-ES" smtClean="0"/>
+              <a:rPr lang="es-ES"/>
               <a:t>Quinto nivel</a:t>
             </a:r>
-            <a:endParaRPr lang="es-ES"/>
           </a:p>
         </p:txBody>
       </p:sp>
@@ -2186,7 +2184,7 @@
           <a:p>
             <a:pPr lvl="0"/>
             <a:r>
-              <a:rPr lang="es-ES" smtClean="0"/>
+              <a:rPr lang="es-ES"/>
               <a:t>Haga clic para modificar el estilo de texto del patrón</a:t>
             </a:r>
           </a:p>
@@ -2209,7 +2207,7 @@
           <a:p>
             <a:fld id="{ED5068BE-CC48-4432-805D-8C4C4168F1D3}" type="datetimeFigureOut">
               <a:rPr lang="es-ES" smtClean="0"/>
-              <a:t>26/04/2020</a:t>
+              <a:t>08/05/2020</a:t>
             </a:fld>
             <a:endParaRPr lang="es-ES"/>
           </a:p>
@@ -2307,10 +2305,9 @@
           </a:lstStyle>
           <a:p>
             <a:r>
-              <a:rPr lang="es-ES" smtClean="0"/>
+              <a:rPr lang="es-ES"/>
               <a:t>Haga clic para modificar el estilo de título del patrón</a:t>
             </a:r>
-            <a:endParaRPr lang="es-ES"/>
           </a:p>
         </p:txBody>
       </p:sp>
@@ -2434,7 +2431,7 @@
           <a:p>
             <a:pPr lvl="0"/>
             <a:r>
-              <a:rPr lang="es-ES" smtClean="0"/>
+              <a:rPr lang="es-ES"/>
               <a:t>Haga clic para modificar el estilo de texto del patrón</a:t>
             </a:r>
           </a:p>
@@ -2457,7 +2454,7 @@
           <a:p>
             <a:fld id="{ED5068BE-CC48-4432-805D-8C4C4168F1D3}" type="datetimeFigureOut">
               <a:rPr lang="es-ES" smtClean="0"/>
-              <a:t>26/04/2020</a:t>
+              <a:t>08/05/2020</a:t>
             </a:fld>
             <a:endParaRPr lang="es-ES"/>
           </a:p>
@@ -2561,10 +2558,9 @@
           <a:lstStyle/>
           <a:p>
             <a:r>
-              <a:rPr lang="es-ES" smtClean="0"/>
+              <a:rPr lang="es-ES"/>
               <a:t>Haga clic para modificar el estilo de título del patrón</a:t>
             </a:r>
-            <a:endParaRPr lang="es-ES"/>
           </a:p>
         </p:txBody>
       </p:sp>
@@ -2595,38 +2591,37 @@
           <a:p>
             <a:pPr lvl="0"/>
             <a:r>
-              <a:rPr lang="es-ES" smtClean="0"/>
+              <a:rPr lang="es-ES"/>
               <a:t>Haga clic para modificar el estilo de texto del patrón</a:t>
             </a:r>
           </a:p>
           <a:p>
             <a:pPr lvl="1"/>
             <a:r>
-              <a:rPr lang="es-ES" smtClean="0"/>
+              <a:rPr lang="es-ES"/>
               <a:t>Segundo nivel</a:t>
             </a:r>
           </a:p>
           <a:p>
             <a:pPr lvl="2"/>
             <a:r>
-              <a:rPr lang="es-ES" smtClean="0"/>
+              <a:rPr lang="es-ES"/>
               <a:t>Tercer nivel</a:t>
             </a:r>
           </a:p>
           <a:p>
             <a:pPr lvl="3"/>
             <a:r>
-              <a:rPr lang="es-ES" smtClean="0"/>
+              <a:rPr lang="es-ES"/>
               <a:t>Cuarto nivel</a:t>
             </a:r>
           </a:p>
           <a:p>
             <a:pPr lvl="4"/>
             <a:r>
-              <a:rPr lang="es-ES" smtClean="0"/>
+              <a:rPr lang="es-ES"/>
               <a:t>Quinto nivel</a:t>
             </a:r>
-            <a:endParaRPr lang="es-ES"/>
           </a:p>
         </p:txBody>
       </p:sp>
@@ -2665,7 +2660,7 @@
           <a:p>
             <a:fld id="{ED5068BE-CC48-4432-805D-8C4C4168F1D3}" type="datetimeFigureOut">
               <a:rPr lang="es-ES" smtClean="0"/>
-              <a:t>26/04/2020</a:t>
+              <a:t>08/05/2020</a:t>
             </a:fld>
             <a:endParaRPr lang="es-ES"/>
           </a:p>
@@ -3398,7 +3393,7 @@
           </p:blipFill>
           <p:spPr bwMode="auto">
             <a:xfrm>
-              <a:off x="3286116" y="2000240"/>
+              <a:off x="3277035" y="2030016"/>
               <a:ext cx="2571768" cy="2639446"/>
             </a:xfrm>
             <a:prstGeom prst="rect">
@@ -3415,6 +3410,150 @@
           </p:spPr>
         </p:pic>
       </p:grpSp>
+      <p:pic>
+        <p:nvPicPr>
+          <p:cNvPr id="3" name="Imagen 2" descr="Imagen que contiene lentes de sol&#10;&#10;Descripción generada automáticamente">
+            <a:extLst>
+              <a:ext uri="{FF2B5EF4-FFF2-40B4-BE49-F238E27FC236}">
+                <a16:creationId xmlns:a16="http://schemas.microsoft.com/office/drawing/2014/main" id="{D1641B8D-BFD6-476D-9AE7-BEBC9576C9A1}"/>
+              </a:ext>
+            </a:extLst>
+          </p:cNvPr>
+          <p:cNvPicPr>
+            <a:picLocks noChangeAspect="1"/>
+          </p:cNvPicPr>
+          <p:nvPr/>
+        </p:nvPicPr>
+        <p:blipFill>
+          <a:blip r:embed="rId9">
+            <a:extLst>
+              <a:ext uri="{28A0092B-C50C-407E-A947-70E740481C1C}">
+                <a14:useLocalDpi xmlns:a14="http://schemas.microsoft.com/office/drawing/2010/main" val="0"/>
+              </a:ext>
+            </a:extLst>
+          </a:blip>
+          <a:stretch>
+            <a:fillRect/>
+          </a:stretch>
+        </p:blipFill>
+        <p:spPr>
+          <a:xfrm>
+            <a:off x="3316688" y="2126521"/>
+            <a:ext cx="2696481" cy="2542941"/>
+          </a:xfrm>
+          <a:prstGeom prst="rect">
+            <a:avLst/>
+          </a:prstGeom>
+        </p:spPr>
+      </p:pic>
+      <p:pic>
+        <p:nvPicPr>
+          <p:cNvPr id="5" name="Imagen 4" descr="Imagen que contiene lámpara, dibujo&#10;&#10;Descripción generada automáticamente">
+            <a:extLst>
+              <a:ext uri="{FF2B5EF4-FFF2-40B4-BE49-F238E27FC236}">
+                <a16:creationId xmlns:a16="http://schemas.microsoft.com/office/drawing/2014/main" id="{92BABE20-DC76-4A3E-96C9-4D42E251E610}"/>
+              </a:ext>
+            </a:extLst>
+          </p:cNvPr>
+          <p:cNvPicPr>
+            <a:picLocks noChangeAspect="1"/>
+          </p:cNvPicPr>
+          <p:nvPr/>
+        </p:nvPicPr>
+        <p:blipFill>
+          <a:blip r:embed="rId10">
+            <a:extLst>
+              <a:ext uri="{28A0092B-C50C-407E-A947-70E740481C1C}">
+                <a14:useLocalDpi xmlns:a14="http://schemas.microsoft.com/office/drawing/2010/main" val="0"/>
+              </a:ext>
+            </a:extLst>
+          </a:blip>
+          <a:stretch>
+            <a:fillRect/>
+          </a:stretch>
+        </p:blipFill>
+        <p:spPr>
+          <a:xfrm>
+            <a:off x="3188701" y="2065260"/>
+            <a:ext cx="2706417" cy="2584603"/>
+          </a:xfrm>
+          <a:prstGeom prst="rect">
+            <a:avLst/>
+          </a:prstGeom>
+        </p:spPr>
+      </p:pic>
+      <p:pic>
+        <p:nvPicPr>
+          <p:cNvPr id="9" name="Imagen 8" descr="Imagen que contiene dibujo&#10;&#10;Descripción generada automáticamente">
+            <a:extLst>
+              <a:ext uri="{FF2B5EF4-FFF2-40B4-BE49-F238E27FC236}">
+                <a16:creationId xmlns:a16="http://schemas.microsoft.com/office/drawing/2014/main" id="{DE9943D6-5A49-4767-8FE2-24C983EB5F3F}"/>
+              </a:ext>
+            </a:extLst>
+          </p:cNvPr>
+          <p:cNvPicPr>
+            <a:picLocks noChangeAspect="1"/>
+          </p:cNvPicPr>
+          <p:nvPr/>
+        </p:nvPicPr>
+        <p:blipFill>
+          <a:blip r:embed="rId11">
+            <a:extLst>
+              <a:ext uri="{28A0092B-C50C-407E-A947-70E740481C1C}">
+                <a14:useLocalDpi xmlns:a14="http://schemas.microsoft.com/office/drawing/2010/main" val="0"/>
+              </a:ext>
+            </a:extLst>
+          </a:blip>
+          <a:stretch>
+            <a:fillRect/>
+          </a:stretch>
+        </p:blipFill>
+        <p:spPr>
+          <a:xfrm>
+            <a:off x="2991283" y="1621320"/>
+            <a:ext cx="3143272" cy="3167029"/>
+          </a:xfrm>
+          <a:prstGeom prst="rect">
+            <a:avLst/>
+          </a:prstGeom>
+        </p:spPr>
+      </p:pic>
+      <p:pic>
+        <p:nvPicPr>
+          <p:cNvPr id="11" name="Imagen 10" descr="Imagen que contiene alimentos, dibujo&#10;&#10;Descripción generada automáticamente">
+            <a:extLst>
+              <a:ext uri="{FF2B5EF4-FFF2-40B4-BE49-F238E27FC236}">
+                <a16:creationId xmlns:a16="http://schemas.microsoft.com/office/drawing/2014/main" id="{3CB65D67-4E10-4C0A-B381-46236C152384}"/>
+              </a:ext>
+            </a:extLst>
+          </p:cNvPr>
+          <p:cNvPicPr>
+            <a:picLocks noChangeAspect="1"/>
+          </p:cNvPicPr>
+          <p:nvPr/>
+        </p:nvPicPr>
+        <p:blipFill>
+          <a:blip r:embed="rId12">
+            <a:extLst>
+              <a:ext uri="{28A0092B-C50C-407E-A947-70E740481C1C}">
+                <a14:useLocalDpi xmlns:a14="http://schemas.microsoft.com/office/drawing/2010/main" val="0"/>
+              </a:ext>
+            </a:extLst>
+          </a:blip>
+          <a:stretch>
+            <a:fillRect/>
+          </a:stretch>
+        </p:blipFill>
+        <p:spPr>
+          <a:xfrm>
+            <a:off x="3124646" y="1766224"/>
+            <a:ext cx="2887514" cy="2877222"/>
+          </a:xfrm>
+          <a:prstGeom prst="rect">
+            <a:avLst/>
+          </a:prstGeom>
+        </p:spPr>
+      </p:pic>
     </p:spTree>
   </p:cSld>
   <p:clrMapOvr>
